--- a/week2/week2-p3_graph.pptx
+++ b/week2/week2-p3_graph.pptx
@@ -6,6 +6,7 @@
   </p:sldMasterIdLst>
   <p:sldIdLst>
     <p:sldId id="256" r:id="rId2"/>
+    <p:sldId id="257" r:id="rId3"/>
   </p:sldIdLst>
   <p:sldSz cx="12192000" cy="6858000"/>
   <p:notesSz cx="6858000" cy="9144000"/>
@@ -243,7 +244,7 @@
           <a:p>
             <a:fld id="{D186A3CC-1F60-4E86-8034-6478E85CD251}" type="datetimeFigureOut">
               <a:rPr lang="zh-TW" altLang="en-US" smtClean="0"/>
-              <a:t>2020/3/23</a:t>
+              <a:t>2020/3/30</a:t>
             </a:fld>
             <a:endParaRPr lang="zh-TW" altLang="en-US"/>
           </a:p>
@@ -413,7 +414,7 @@
           <a:p>
             <a:fld id="{D186A3CC-1F60-4E86-8034-6478E85CD251}" type="datetimeFigureOut">
               <a:rPr lang="zh-TW" altLang="en-US" smtClean="0"/>
-              <a:t>2020/3/23</a:t>
+              <a:t>2020/3/30</a:t>
             </a:fld>
             <a:endParaRPr lang="zh-TW" altLang="en-US"/>
           </a:p>
@@ -593,7 +594,7 @@
           <a:p>
             <a:fld id="{D186A3CC-1F60-4E86-8034-6478E85CD251}" type="datetimeFigureOut">
               <a:rPr lang="zh-TW" altLang="en-US" smtClean="0"/>
-              <a:t>2020/3/23</a:t>
+              <a:t>2020/3/30</a:t>
             </a:fld>
             <a:endParaRPr lang="zh-TW" altLang="en-US"/>
           </a:p>
@@ -763,7 +764,7 @@
           <a:p>
             <a:fld id="{D186A3CC-1F60-4E86-8034-6478E85CD251}" type="datetimeFigureOut">
               <a:rPr lang="zh-TW" altLang="en-US" smtClean="0"/>
-              <a:t>2020/3/23</a:t>
+              <a:t>2020/3/30</a:t>
             </a:fld>
             <a:endParaRPr lang="zh-TW" altLang="en-US"/>
           </a:p>
@@ -1009,7 +1010,7 @@
           <a:p>
             <a:fld id="{D186A3CC-1F60-4E86-8034-6478E85CD251}" type="datetimeFigureOut">
               <a:rPr lang="zh-TW" altLang="en-US" smtClean="0"/>
-              <a:t>2020/3/23</a:t>
+              <a:t>2020/3/30</a:t>
             </a:fld>
             <a:endParaRPr lang="zh-TW" altLang="en-US"/>
           </a:p>
@@ -1241,7 +1242,7 @@
           <a:p>
             <a:fld id="{D186A3CC-1F60-4E86-8034-6478E85CD251}" type="datetimeFigureOut">
               <a:rPr lang="zh-TW" altLang="en-US" smtClean="0"/>
-              <a:t>2020/3/23</a:t>
+              <a:t>2020/3/30</a:t>
             </a:fld>
             <a:endParaRPr lang="zh-TW" altLang="en-US"/>
           </a:p>
@@ -1608,7 +1609,7 @@
           <a:p>
             <a:fld id="{D186A3CC-1F60-4E86-8034-6478E85CD251}" type="datetimeFigureOut">
               <a:rPr lang="zh-TW" altLang="en-US" smtClean="0"/>
-              <a:t>2020/3/23</a:t>
+              <a:t>2020/3/30</a:t>
             </a:fld>
             <a:endParaRPr lang="zh-TW" altLang="en-US"/>
           </a:p>
@@ -1726,7 +1727,7 @@
           <a:p>
             <a:fld id="{D186A3CC-1F60-4E86-8034-6478E85CD251}" type="datetimeFigureOut">
               <a:rPr lang="zh-TW" altLang="en-US" smtClean="0"/>
-              <a:t>2020/3/23</a:t>
+              <a:t>2020/3/30</a:t>
             </a:fld>
             <a:endParaRPr lang="zh-TW" altLang="en-US"/>
           </a:p>
@@ -1821,7 +1822,7 @@
           <a:p>
             <a:fld id="{D186A3CC-1F60-4E86-8034-6478E85CD251}" type="datetimeFigureOut">
               <a:rPr lang="zh-TW" altLang="en-US" smtClean="0"/>
-              <a:t>2020/3/23</a:t>
+              <a:t>2020/3/30</a:t>
             </a:fld>
             <a:endParaRPr lang="zh-TW" altLang="en-US"/>
           </a:p>
@@ -2098,7 +2099,7 @@
           <a:p>
             <a:fld id="{D186A3CC-1F60-4E86-8034-6478E85CD251}" type="datetimeFigureOut">
               <a:rPr lang="zh-TW" altLang="en-US" smtClean="0"/>
-              <a:t>2020/3/23</a:t>
+              <a:t>2020/3/30</a:t>
             </a:fld>
             <a:endParaRPr lang="zh-TW" altLang="en-US"/>
           </a:p>
@@ -2355,7 +2356,7 @@
           <a:p>
             <a:fld id="{D186A3CC-1F60-4E86-8034-6478E85CD251}" type="datetimeFigureOut">
               <a:rPr lang="zh-TW" altLang="en-US" smtClean="0"/>
-              <a:t>2020/3/23</a:t>
+              <a:t>2020/3/30</a:t>
             </a:fld>
             <a:endParaRPr lang="zh-TW" altLang="en-US"/>
           </a:p>
@@ -2568,7 +2569,7 @@
           <a:p>
             <a:fld id="{D186A3CC-1F60-4E86-8034-6478E85CD251}" type="datetimeFigureOut">
               <a:rPr lang="zh-TW" altLang="en-US" smtClean="0"/>
-              <a:t>2020/3/23</a:t>
+              <a:t>2020/3/30</a:t>
             </a:fld>
             <a:endParaRPr lang="zh-TW" altLang="en-US"/>
           </a:p>
@@ -3169,11 +3170,7 @@
                 </a:r>
                 <a:r>
                   <a:rPr lang="en-US" altLang="zh-TW" b="1" dirty="0" smtClean="0"/>
-                  <a:t> </a:t>
-                </a:r>
-                <a:r>
-                  <a:rPr lang="en-US" altLang="zh-TW" b="1" dirty="0" smtClean="0"/>
-                  <a:t>P swap</a:t>
+                  <a:t> P swap</a:t>
                 </a:r>
               </a:p>
               <a:p>
@@ -3291,15 +3288,7 @@
                       <a:srgbClr val="FF0000"/>
                     </a:solidFill>
                   </a:rPr>
-                  <a:t> 5 </a:t>
-                </a:r>
-                <a:r>
-                  <a:rPr lang="en-US" altLang="zh-TW" sz="2800" b="1" dirty="0" smtClean="0">
-                    <a:solidFill>
-                      <a:srgbClr val="FF0000"/>
-                    </a:solidFill>
-                  </a:rPr>
-                  <a:t>11 14 18  </a:t>
+                  <a:t> 5 11 14 18  </a:t>
                 </a:r>
                 <a:endParaRPr lang="zh-TW" altLang="en-US" sz="2800" b="1" dirty="0">
                   <a:solidFill>
@@ -4214,11 +4203,7 @@
                 </a:r>
                 <a:r>
                   <a:rPr lang="en-US" altLang="zh-TW" b="1" dirty="0" smtClean="0"/>
-                  <a:t> </a:t>
-                </a:r>
-                <a:r>
-                  <a:rPr lang="en-US" altLang="zh-TW" b="1" dirty="0" smtClean="0"/>
-                  <a:t>P swap</a:t>
+                  <a:t> P swap</a:t>
                 </a:r>
               </a:p>
               <a:p>
@@ -4819,7 +4804,6 @@
                   <a:rPr lang="en-US" altLang="zh-TW" b="1" dirty="0" smtClean="0"/>
                   <a:t>R+1</a:t>
                 </a:r>
-                <a:endParaRPr lang="en-US" altLang="zh-TW" b="1" dirty="0" smtClean="0"/>
               </a:p>
             </p:txBody>
           </p:sp>
@@ -5098,7 +5082,6 @@
                   <a:rPr lang="en-US" altLang="zh-TW" b="1" dirty="0" smtClean="0"/>
                   <a:t>R+1</a:t>
                 </a:r>
-                <a:endParaRPr lang="en-US" altLang="zh-TW" b="1" dirty="0" smtClean="0"/>
               </a:p>
             </p:txBody>
           </p:sp>
@@ -6492,6 +6475,60 @@
 </p:sld>
 </file>
 
+<file path=ppt/slides/slide2.xml><?xml version="1.0" encoding="utf-8"?>
+<p:sld xmlns:a="http://schemas.openxmlformats.org/drawingml/2006/main" xmlns:r="http://schemas.openxmlformats.org/officeDocument/2006/relationships" xmlns:p="http://schemas.openxmlformats.org/presentationml/2006/main">
+  <p:cSld>
+    <p:spTree>
+      <p:nvGrpSpPr>
+        <p:cNvPr id="1" name=""/>
+        <p:cNvGrpSpPr/>
+        <p:nvPr/>
+      </p:nvGrpSpPr>
+      <p:grpSpPr>
+        <a:xfrm>
+          <a:off x="0" y="0"/>
+          <a:ext cx="0" cy="0"/>
+          <a:chOff x="0" y="0"/>
+          <a:chExt cx="0" cy="0"/>
+        </a:xfrm>
+      </p:grpSpPr>
+      <p:pic>
+        <p:nvPicPr>
+          <p:cNvPr id="4" name="圖片 3"/>
+          <p:cNvPicPr>
+            <a:picLocks noChangeAspect="1"/>
+          </p:cNvPicPr>
+          <p:nvPr/>
+        </p:nvPicPr>
+        <p:blipFill>
+          <a:blip r:embed="rId2"/>
+          <a:stretch>
+            <a:fillRect/>
+          </a:stretch>
+        </p:blipFill>
+        <p:spPr>
+          <a:xfrm>
+            <a:off x="3560602" y="-1397001"/>
+            <a:ext cx="4376898" cy="7796707"/>
+          </a:xfrm>
+          <a:prstGeom prst="rect">
+            <a:avLst/>
+          </a:prstGeom>
+        </p:spPr>
+      </p:pic>
+    </p:spTree>
+    <p:extLst>
+      <p:ext uri="{BB962C8B-B14F-4D97-AF65-F5344CB8AC3E}">
+        <p14:creationId xmlns:p14="http://schemas.microsoft.com/office/powerpoint/2010/main" val="2950058860"/>
+      </p:ext>
+    </p:extLst>
+  </p:cSld>
+  <p:clrMapOvr>
+    <a:masterClrMapping/>
+  </p:clrMapOvr>
+</p:sld>
+</file>
+
 <file path=ppt/theme/theme1.xml><?xml version="1.0" encoding="utf-8"?>
 <a:theme xmlns:a="http://schemas.openxmlformats.org/drawingml/2006/main" name="Office 佈景主題">
   <a:themeElements>
